--- a/Casa de eventos.pptx
+++ b/Casa de eventos.pptx
@@ -5,25 +5,26 @@
     <p:sldMasterId id="2147483661" r:id="rId1"/>
   </p:sldMasterIdLst>
   <p:notesMasterIdLst>
-    <p:notesMasterId r:id="rId18"/>
+    <p:notesMasterId r:id="rId19"/>
   </p:notesMasterIdLst>
   <p:sldIdLst>
     <p:sldId id="256" r:id="rId2"/>
     <p:sldId id="257" r:id="rId3"/>
     <p:sldId id="273" r:id="rId4"/>
     <p:sldId id="260" r:id="rId5"/>
-    <p:sldId id="258" r:id="rId6"/>
-    <p:sldId id="261" r:id="rId7"/>
-    <p:sldId id="265" r:id="rId8"/>
-    <p:sldId id="267" r:id="rId9"/>
-    <p:sldId id="269" r:id="rId10"/>
-    <p:sldId id="262" r:id="rId11"/>
-    <p:sldId id="263" r:id="rId12"/>
-    <p:sldId id="264" r:id="rId13"/>
-    <p:sldId id="270" r:id="rId14"/>
-    <p:sldId id="271" r:id="rId15"/>
-    <p:sldId id="272" r:id="rId16"/>
-    <p:sldId id="259" r:id="rId17"/>
+    <p:sldId id="274" r:id="rId6"/>
+    <p:sldId id="258" r:id="rId7"/>
+    <p:sldId id="261" r:id="rId8"/>
+    <p:sldId id="265" r:id="rId9"/>
+    <p:sldId id="267" r:id="rId10"/>
+    <p:sldId id="269" r:id="rId11"/>
+    <p:sldId id="262" r:id="rId12"/>
+    <p:sldId id="263" r:id="rId13"/>
+    <p:sldId id="264" r:id="rId14"/>
+    <p:sldId id="270" r:id="rId15"/>
+    <p:sldId id="271" r:id="rId16"/>
+    <p:sldId id="272" r:id="rId17"/>
+    <p:sldId id="259" r:id="rId18"/>
   </p:sldIdLst>
   <p:sldSz cx="9144000" cy="5143500" type="screen16x9"/>
   <p:notesSz cx="6858000" cy="9144000"/>
@@ -1907,7 +1908,7 @@
             </a:pPr>
             <a:fld id="{00000000-1234-1234-1234-123412341234}" type="slidenum">
               <a:rPr lang="es-ES"/>
-              <a:t>16</a:t>
+              <a:t>17</a:t>
             </a:fld>
             <a:endParaRPr/>
           </a:p>
@@ -2362,7 +2363,7 @@
             </a:pPr>
             <a:fld id="{00000000-1234-1234-1234-123412341234}" type="slidenum">
               <a:rPr lang="es-ES"/>
-              <a:t>5</a:t>
+              <a:t>6</a:t>
             </a:fld>
             <a:endParaRPr/>
           </a:p>
@@ -2512,7 +2513,7 @@
             </a:pPr>
             <a:fld id="{00000000-1234-1234-1234-123412341234}" type="slidenum">
               <a:rPr lang="es-ES"/>
-              <a:t>6</a:t>
+              <a:t>7</a:t>
             </a:fld>
             <a:endParaRPr/>
           </a:p>
@@ -2621,7 +2622,7 @@
                 <a:cs typeface="Calibri"/>
                 <a:sym typeface="Calibri"/>
               </a:rPr>
-              <a:t>7</a:t>
+              <a:t>8</a:t>
             </a:fld>
             <a:endParaRPr lang="es-ES" sz="1200" b="0" i="0" u="none" strike="noStrike" cap="none">
               <a:solidFill>
@@ -2742,7 +2743,7 @@
                 <a:cs typeface="Calibri"/>
                 <a:sym typeface="Calibri"/>
               </a:rPr>
-              <a:t>8</a:t>
+              <a:t>9</a:t>
             </a:fld>
             <a:endParaRPr lang="es-ES" sz="1200" b="0" i="0" u="none" strike="noStrike" cap="none">
               <a:solidFill>
@@ -2855,7 +2856,7 @@
                 <a:cs typeface="Calibri"/>
                 <a:sym typeface="Calibri"/>
               </a:rPr>
-              <a:t>10</a:t>
+              <a:t>11</a:t>
             </a:fld>
             <a:endParaRPr lang="es-ES" sz="1200" b="0" i="0" u="none" strike="noStrike" cap="none">
               <a:solidFill>
@@ -2970,7 +2971,7 @@
                 <a:cs typeface="Calibri"/>
                 <a:sym typeface="Calibri"/>
               </a:rPr>
-              <a:t>13</a:t>
+              <a:t>14</a:t>
             </a:fld>
             <a:endParaRPr lang="es-ES" sz="1200" b="0" i="0" u="none" strike="noStrike" cap="none">
               <a:solidFill>
@@ -4703,6 +4704,101 @@
           <a:chExt cx="0" cy="0"/>
         </a:xfrm>
       </p:grpSpPr>
+      <p:sp>
+        <p:nvSpPr>
+          <p:cNvPr id="2" name="Rectángulo 1">
+            <a:extLst>
+              <a:ext uri="{FF2B5EF4-FFF2-40B4-BE49-F238E27FC236}">
+                <a16:creationId xmlns:a16="http://schemas.microsoft.com/office/drawing/2014/main" id="{6D135110-049A-4F47-B0F0-841457E3DCDA}"/>
+              </a:ext>
+            </a:extLst>
+          </p:cNvPr>
+          <p:cNvSpPr/>
+          <p:nvPr/>
+        </p:nvSpPr>
+        <p:spPr>
+          <a:xfrm>
+            <a:off x="3291828" y="0"/>
+            <a:ext cx="2236510" cy="646331"/>
+          </a:xfrm>
+          <a:prstGeom prst="rect">
+            <a:avLst/>
+          </a:prstGeom>
+        </p:spPr>
+        <p:txBody>
+          <a:bodyPr wrap="none">
+            <a:spAutoFit/>
+          </a:bodyPr>
+          <a:lstStyle/>
+          <a:p>
+            <a:r>
+              <a:rPr lang="es-US" sz="3600" dirty="0"/>
+              <a:t>Entrevista</a:t>
+            </a:r>
+            <a:endParaRPr lang="es-CO" sz="3600" dirty="0"/>
+          </a:p>
+        </p:txBody>
+      </p:sp>
+      <p:pic>
+        <p:nvPicPr>
+          <p:cNvPr id="5" name="Imagen 4">
+            <a:extLst>
+              <a:ext uri="{FF2B5EF4-FFF2-40B4-BE49-F238E27FC236}">
+                <a16:creationId xmlns:a16="http://schemas.microsoft.com/office/drawing/2014/main" id="{40323E40-FD2C-4DD8-8699-FA7C402FA334}"/>
+              </a:ext>
+            </a:extLst>
+          </p:cNvPr>
+          <p:cNvPicPr>
+            <a:picLocks noChangeAspect="1"/>
+          </p:cNvPicPr>
+          <p:nvPr/>
+        </p:nvPicPr>
+        <p:blipFill>
+          <a:blip r:embed="rId2"/>
+          <a:stretch>
+            <a:fillRect/>
+          </a:stretch>
+        </p:blipFill>
+        <p:spPr>
+          <a:xfrm>
+            <a:off x="2083981" y="999859"/>
+            <a:ext cx="4486348" cy="4143641"/>
+          </a:xfrm>
+          <a:prstGeom prst="rect">
+            <a:avLst/>
+          </a:prstGeom>
+        </p:spPr>
+      </p:pic>
+    </p:spTree>
+    <p:extLst>
+      <p:ext uri="{BB962C8B-B14F-4D97-AF65-F5344CB8AC3E}">
+        <p14:creationId xmlns:p14="http://schemas.microsoft.com/office/powerpoint/2010/main" val="4266089175"/>
+      </p:ext>
+    </p:extLst>
+  </p:cSld>
+  <p:clrMapOvr>
+    <a:masterClrMapping/>
+  </p:clrMapOvr>
+</p:sld>
+</file>
+
+<file path=ppt/slides/slide11.xml><?xml version="1.0" encoding="utf-8"?>
+<p:sld xmlns:a="http://schemas.openxmlformats.org/drawingml/2006/main" xmlns:r="http://schemas.openxmlformats.org/officeDocument/2006/relationships" xmlns:p="http://schemas.openxmlformats.org/presentationml/2006/main">
+  <p:cSld>
+    <p:spTree>
+      <p:nvGrpSpPr>
+        <p:cNvPr id="1" name=""/>
+        <p:cNvGrpSpPr/>
+        <p:nvPr/>
+      </p:nvGrpSpPr>
+      <p:grpSpPr>
+        <a:xfrm>
+          <a:off x="0" y="0"/>
+          <a:ext cx="0" cy="0"/>
+          <a:chOff x="0" y="0"/>
+          <a:chExt cx="0" cy="0"/>
+        </a:xfrm>
+      </p:grpSpPr>
       <p:pic>
         <p:nvPicPr>
           <p:cNvPr id="5" name="Imagen 4">
@@ -4875,7 +4971,7 @@
 </p:sld>
 </file>
 
-<file path=ppt/slides/slide11.xml><?xml version="1.0" encoding="utf-8"?>
+<file path=ppt/slides/slide12.xml><?xml version="1.0" encoding="utf-8"?>
 <p:sld xmlns:a="http://schemas.openxmlformats.org/drawingml/2006/main" xmlns:r="http://schemas.openxmlformats.org/officeDocument/2006/relationships" xmlns:p="http://schemas.openxmlformats.org/presentationml/2006/main">
   <p:cSld>
     <p:spTree>
@@ -5252,7 +5348,7 @@
 </p:sld>
 </file>
 
-<file path=ppt/slides/slide12.xml><?xml version="1.0" encoding="utf-8"?>
+<file path=ppt/slides/slide13.xml><?xml version="1.0" encoding="utf-8"?>
 <p:sld xmlns:a="http://schemas.openxmlformats.org/drawingml/2006/main" xmlns:r="http://schemas.openxmlformats.org/officeDocument/2006/relationships" xmlns:p="http://schemas.openxmlformats.org/presentationml/2006/main">
   <p:cSld>
     <p:spTree>
@@ -5605,7 +5701,7 @@
 </p:sld>
 </file>
 
-<file path=ppt/slides/slide13.xml><?xml version="1.0" encoding="utf-8"?>
+<file path=ppt/slides/slide14.xml><?xml version="1.0" encoding="utf-8"?>
 <p:sld xmlns:a="http://schemas.openxmlformats.org/drawingml/2006/main" xmlns:r="http://schemas.openxmlformats.org/officeDocument/2006/relationships" xmlns:p="http://schemas.openxmlformats.org/presentationml/2006/main">
   <p:cSld>
     <p:spTree>
@@ -5637,7 +5733,7 @@
         <p:spPr>
           <a:xfrm>
             <a:off x="266989" y="1439795"/>
-            <a:ext cx="3712684" cy="2031325"/>
+            <a:ext cx="3712684" cy="2246769"/>
           </a:xfrm>
           <a:prstGeom prst="rect">
             <a:avLst/>
@@ -5676,6 +5772,12 @@
             <a:r>
               <a:rPr lang="es-US" dirty="0"/>
               <a:t>CU002: registrar el usuario.</a:t>
+            </a:r>
+          </a:p>
+          <a:p>
+            <a:r>
+              <a:rPr lang="es-US" dirty="0"/>
+              <a:t>CU003: registrar al cliente</a:t>
             </a:r>
           </a:p>
           <a:p>
@@ -5747,7 +5849,7 @@
         <p:spPr>
           <a:xfrm>
             <a:off x="4395732" y="1439795"/>
-            <a:ext cx="4580431" cy="2462213"/>
+            <a:ext cx="4580431" cy="1815882"/>
           </a:xfrm>
           <a:prstGeom prst="rect">
             <a:avLst/>
@@ -5791,31 +5893,13 @@
           <a:p>
             <a:r>
               <a:rPr lang="es-US" dirty="0"/>
-              <a:t>CU008: Registrar tipo de evento.</a:t>
+              <a:t>CU008: Consultar presupuesto.</a:t>
             </a:r>
           </a:p>
           <a:p>
             <a:r>
               <a:rPr lang="es-US" dirty="0"/>
-              <a:t>CU009: Seleccionar tipo de paquete.</a:t>
-            </a:r>
-          </a:p>
-          <a:p>
-            <a:r>
-              <a:rPr lang="es-US" dirty="0"/>
-              <a:t>CU010: Personalizar paquete.</a:t>
-            </a:r>
-          </a:p>
-          <a:p>
-            <a:r>
-              <a:rPr lang="es-US" dirty="0"/>
-              <a:t>CU011: Consultar presupuesto.</a:t>
-            </a:r>
-          </a:p>
-          <a:p>
-            <a:r>
-              <a:rPr lang="es-US" dirty="0"/>
-              <a:t>CU012: Cancelar evento</a:t>
+              <a:t>CU009: Cancelar evento</a:t>
             </a:r>
           </a:p>
           <a:p>
@@ -5836,7 +5920,7 @@
 </p:sld>
 </file>
 
-<file path=ppt/slides/slide14.xml><?xml version="1.0" encoding="utf-8"?>
+<file path=ppt/slides/slide15.xml><?xml version="1.0" encoding="utf-8"?>
 <p:sld xmlns:a="http://schemas.openxmlformats.org/drawingml/2006/main" xmlns:r="http://schemas.openxmlformats.org/officeDocument/2006/relationships" xmlns:p="http://schemas.openxmlformats.org/presentationml/2006/main">
   <p:cSld>
     <p:spTree>
@@ -5895,25 +5979,25 @@
           <a:p>
             <a:r>
               <a:rPr lang="es-ES_tradnl" dirty="0"/>
-              <a:t>CU013: Registrar datos del contrato</a:t>
+              <a:t>CU010: Registrar datos del contrato</a:t>
             </a:r>
           </a:p>
           <a:p>
             <a:r>
               <a:rPr lang="es-ES_tradnl" dirty="0"/>
-              <a:t>CU014: Consultar contrato</a:t>
+              <a:t>CU011: Consultar contrato</a:t>
             </a:r>
           </a:p>
           <a:p>
             <a:r>
               <a:rPr lang="es-ES_tradnl" dirty="0"/>
-              <a:t>CU015: Actualizar contrato.</a:t>
+              <a:t>CU012: Actualizar contrato.</a:t>
             </a:r>
           </a:p>
           <a:p>
             <a:r>
               <a:rPr lang="es-ES_tradnl" dirty="0"/>
-              <a:t>CU016: Asignar cierre de contrato.</a:t>
+              <a:t>CU013: Asignar cierre de contrato.</a:t>
             </a:r>
           </a:p>
           <a:p>
@@ -5971,19 +6055,19 @@
           <a:p>
             <a:r>
               <a:rPr lang="es-ES_tradnl" dirty="0"/>
-              <a:t>CU017:consultar factura.</a:t>
+              <a:t>CU014: consultar factura.</a:t>
             </a:r>
           </a:p>
           <a:p>
             <a:r>
               <a:rPr lang="es-ES_tradnl" dirty="0"/>
-              <a:t>CU018: consultar pagos</a:t>
+              <a:t>CU015: consultar pagos</a:t>
             </a:r>
           </a:p>
           <a:p>
             <a:r>
               <a:rPr lang="es-ES_tradnl" dirty="0"/>
-              <a:t>CU019: Generar soporte de pago</a:t>
+              <a:t>CU016: Generar soporte de pago</a:t>
             </a:r>
           </a:p>
           <a:p>
@@ -6033,31 +6117,31 @@
           <a:p>
             <a:r>
               <a:rPr lang="es-ES_tradnl" dirty="0"/>
-              <a:t>CU020: registrar personal de logística. </a:t>
+              <a:t>CU017: registrar personal de logística. </a:t>
             </a:r>
           </a:p>
           <a:p>
             <a:r>
               <a:rPr lang="es-ES_tradnl" dirty="0"/>
-              <a:t>CU021: Registrar proveedores.</a:t>
+              <a:t>CU018: Registrar proveedores.</a:t>
             </a:r>
           </a:p>
           <a:p>
             <a:r>
               <a:rPr lang="es-ES_tradnl" dirty="0"/>
-              <a:t>CU022: Consultar personal disponible</a:t>
+              <a:t>CU019: Consultar personal disponible</a:t>
             </a:r>
           </a:p>
           <a:p>
             <a:r>
               <a:rPr lang="es-ES_tradnl" dirty="0"/>
-              <a:t>CU023: Registrar Elementos requeridos</a:t>
+              <a:t>CU020: Registrar Elementos requeridos</a:t>
             </a:r>
           </a:p>
           <a:p>
             <a:r>
               <a:rPr lang="es-ES_tradnl" dirty="0"/>
-              <a:t>CU024: </a:t>
+              <a:t>CU021: </a:t>
             </a:r>
             <a:r>
               <a:rPr lang="es-CO" dirty="0"/>
@@ -6079,7 +6163,7 @@
 </p:sld>
 </file>
 
-<file path=ppt/slides/slide15.xml><?xml version="1.0" encoding="utf-8"?>
+<file path=ppt/slides/slide16.xml><?xml version="1.0" encoding="utf-8"?>
 <p:sld xmlns:a="http://schemas.openxmlformats.org/drawingml/2006/main" xmlns:r="http://schemas.openxmlformats.org/officeDocument/2006/relationships" xmlns:p="http://schemas.openxmlformats.org/presentationml/2006/main">
   <p:cSld>
     <p:spTree>
@@ -6110,8 +6194,8 @@
         </p:nvSpPr>
         <p:spPr>
           <a:xfrm>
-            <a:off x="4461831" y="1582818"/>
-            <a:ext cx="4572000" cy="1815882"/>
+            <a:off x="4461831" y="1841104"/>
+            <a:ext cx="4572000" cy="1600438"/>
           </a:xfrm>
           <a:prstGeom prst="rect">
             <a:avLst/>
@@ -6133,36 +6217,33 @@
             </a:r>
           </a:p>
           <a:p>
-            <a:endParaRPr lang="es-ES_tradnl" dirty="0"/>
-          </a:p>
-          <a:p>
             <a:r>
               <a:rPr lang="es-ES_tradnl" dirty="0"/>
-              <a:t>CU027: Registrar el incidente del evento.</a:t>
+              <a:t>.</a:t>
             </a:r>
           </a:p>
           <a:p>
             <a:r>
               <a:rPr lang="es-ES_tradnl" dirty="0"/>
-              <a:t>CU028: Enviar el PQR .</a:t>
+              <a:t>CU024: Registrar el PQR .</a:t>
             </a:r>
           </a:p>
           <a:p>
             <a:r>
               <a:rPr lang="es-ES_tradnl" dirty="0"/>
-              <a:t>CU029: Notificar sugerencias del cliente. </a:t>
+              <a:t>CU025: Ingresar recomendaciones.</a:t>
             </a:r>
           </a:p>
           <a:p>
             <a:r>
               <a:rPr lang="es-ES_tradnl" dirty="0"/>
-              <a:t>CU030: Ingresar recomendaciones.</a:t>
+              <a:t>CU026: consultar sugerencia</a:t>
             </a:r>
           </a:p>
           <a:p>
             <a:r>
               <a:rPr lang="es-ES_tradnl" dirty="0"/>
-              <a:t> </a:t>
+              <a:t>CU027: Notificar sugerencias del cliente</a:t>
             </a:r>
             <a:endParaRPr lang="es-CO" dirty="0"/>
           </a:p>
@@ -6182,7 +6263,7 @@
         </p:nvSpPr>
         <p:spPr>
           <a:xfrm>
-            <a:off x="110169" y="1582818"/>
+            <a:off x="110169" y="1841104"/>
             <a:ext cx="4044697" cy="1384995"/>
           </a:xfrm>
           <a:prstGeom prst="rect">
@@ -6216,13 +6297,13 @@
           <a:p>
             <a:r>
               <a:rPr lang="es-ES_tradnl" dirty="0"/>
-              <a:t>CU025: Registrar el presupuesto final del evento</a:t>
+              <a:t>CU022: Registrar el presupuesto final del evento</a:t>
             </a:r>
           </a:p>
           <a:p>
             <a:r>
               <a:rPr lang="es-ES_tradnl" dirty="0"/>
-              <a:t>CU026: Consultar tipo de evento.</a:t>
+              <a:t>CU023: Consultar tipo de evento.</a:t>
             </a:r>
           </a:p>
           <a:p>
@@ -6284,7 +6365,7 @@
 </p:sld>
 </file>
 
-<file path=ppt/slides/slide16.xml><?xml version="1.0" encoding="utf-8"?>
+<file path=ppt/slides/slide17.xml><?xml version="1.0" encoding="utf-8"?>
 <p:sld xmlns:a="http://schemas.openxmlformats.org/drawingml/2006/main" xmlns:r="http://schemas.openxmlformats.org/officeDocument/2006/relationships" xmlns:p="http://schemas.openxmlformats.org/presentationml/2006/main">
   <p:cSld>
     <p:spTree>
@@ -6431,7 +6512,7 @@
         </p:nvSpPr>
         <p:spPr>
           <a:xfrm>
-            <a:off x="1316747" y="486470"/>
+            <a:off x="1164347" y="563040"/>
             <a:ext cx="5413661" cy="584775"/>
           </a:xfrm>
           <a:prstGeom prst="rect">
@@ -6603,8 +6684,8 @@
         </p:nvSpPr>
         <p:spPr>
           <a:xfrm>
-            <a:off x="159489" y="1595312"/>
-            <a:ext cx="5337544" cy="976438"/>
+            <a:off x="112595" y="1595312"/>
+            <a:ext cx="5643435" cy="976438"/>
           </a:xfrm>
           <a:prstGeom prst="rect">
             <a:avLst/>
@@ -6854,47 +6935,13 @@
             <a:r>
               <a:rPr lang="es-US" dirty="0">
                 <a:solidFill>
-                  <a:srgbClr val="FF0000"/>
+                  <a:schemeClr val="tx1"/>
                 </a:solidFill>
                 <a:latin typeface="Times New Roman" panose="02020603050405020304" pitchFamily="18" charset="0"/>
                 <a:cs typeface="Times New Roman" panose="02020603050405020304" pitchFamily="18" charset="0"/>
               </a:rPr>
-              <a:t>hacer una aplicativo para tener una mejor organización y poder tener un mejor rendimiento; </a:t>
+              <a:t>hacer una aplicativo para tener una mejor organización cuando se este planeando y ejecutando un evento también permitirá tener un mejor rendimiento; es decir, se hará mas fácil la logística y la separación de un evento; Entonces es necesario hacer un aplicativo para que se pueda atender a los clientes de una mejor manera y que ellos se sientan seguros y satisfechos cuando hagan la solicitud de un evento y hagan uso de los servicios de la casa de eventos </a:t>
             </a:r>
-            <a:r>
-              <a:rPr lang="es-US" dirty="0">
-                <a:latin typeface="Times New Roman" panose="02020603050405020304" pitchFamily="18" charset="0"/>
-                <a:cs typeface="Times New Roman" panose="02020603050405020304" pitchFamily="18" charset="0"/>
-              </a:rPr>
-              <a:t>además, con el poco conocimiento de las personas que hacen uso de estos tipos de servicios, para que las personas puedan conocer a cerca de lo que se basa la empresa y puedan solicitar uno de los servicios </a:t>
-            </a:r>
-            <a:r>
-              <a:rPr lang="es-US" dirty="0">
-                <a:solidFill>
-                  <a:srgbClr val="FF0000"/>
-                </a:solidFill>
-                <a:latin typeface="Times New Roman" panose="02020603050405020304" pitchFamily="18" charset="0"/>
-                <a:cs typeface="Times New Roman" panose="02020603050405020304" pitchFamily="18" charset="0"/>
-              </a:rPr>
-              <a:t>deseaos</a:t>
-            </a:r>
-            <a:r>
-              <a:rPr lang="es-US" dirty="0">
-                <a:latin typeface="Times New Roman" panose="02020603050405020304" pitchFamily="18" charset="0"/>
-                <a:cs typeface="Times New Roman" panose="02020603050405020304" pitchFamily="18" charset="0"/>
-              </a:rPr>
-              <a:t> y ya cuando hayan tomado la decisión los clientes podrán modificar que es lo que desean para su evento, las actividades de apartar las fechas y lo que se va utilizar en un evento y los procesos que allí se realizan, que son escoger la fecha y el tipo de evento y un abono de dinero que se va realizar</a:t>
-            </a:r>
-            <a:br>
-              <a:rPr lang="es-US" dirty="0">
-                <a:latin typeface="Times New Roman" panose="02020603050405020304" pitchFamily="18" charset="0"/>
-                <a:cs typeface="Times New Roman" panose="02020603050405020304" pitchFamily="18" charset="0"/>
-              </a:rPr>
-            </a:br>
-            <a:endParaRPr lang="es-CO" dirty="0">
-              <a:latin typeface="Times New Roman" panose="02020603050405020304" pitchFamily="18" charset="0"/>
-              <a:cs typeface="Times New Roman" panose="02020603050405020304" pitchFamily="18" charset="0"/>
-            </a:endParaRPr>
           </a:p>
         </p:txBody>
       </p:sp>
@@ -6912,8 +6959,8 @@
         </p:nvSpPr>
         <p:spPr>
           <a:xfrm>
-            <a:off x="2402958" y="504137"/>
-            <a:ext cx="2753509" cy="400110"/>
+            <a:off x="2336283" y="513662"/>
+            <a:ext cx="2950092" cy="461665"/>
           </a:xfrm>
           <a:prstGeom prst="rect">
             <a:avLst/>
@@ -6926,12 +6973,12 @@
           <a:lstStyle/>
           <a:p>
             <a:r>
-              <a:rPr lang="es-US" sz="2000" b="1" dirty="0">
+              <a:rPr lang="es-US" sz="2400" b="1" dirty="0">
                 <a:latin typeface="Comic Sans MS" panose="030F0702030302020204" pitchFamily="66" charset="0"/>
               </a:rPr>
               <a:t>JUSTIFICACION</a:t>
             </a:r>
-            <a:endParaRPr lang="es-CO" sz="1800" b="1" dirty="0">
+            <a:endParaRPr lang="es-CO" sz="2000" b="1" dirty="0">
               <a:latin typeface="Comic Sans MS" panose="030F0702030302020204" pitchFamily="66" charset="0"/>
             </a:endParaRPr>
           </a:p>
@@ -6951,6 +6998,100 @@
 </file>
 
 <file path=ppt/slides/slide5.xml><?xml version="1.0" encoding="utf-8"?>
+<p:sld xmlns:a="http://schemas.openxmlformats.org/drawingml/2006/main" xmlns:r="http://schemas.openxmlformats.org/officeDocument/2006/relationships" xmlns:p="http://schemas.openxmlformats.org/presentationml/2006/main">
+  <p:cSld>
+    <p:spTree>
+      <p:nvGrpSpPr>
+        <p:cNvPr id="1" name=""/>
+        <p:cNvGrpSpPr/>
+        <p:nvPr/>
+      </p:nvGrpSpPr>
+      <p:grpSpPr>
+        <a:xfrm>
+          <a:off x="0" y="0"/>
+          <a:ext cx="0" cy="0"/>
+          <a:chOff x="0" y="0"/>
+          <a:chExt cx="0" cy="0"/>
+        </a:xfrm>
+      </p:grpSpPr>
+      <p:sp>
+        <p:nvSpPr>
+          <p:cNvPr id="2" name="Rectángulo 1">
+            <a:extLst>
+              <a:ext uri="{FF2B5EF4-FFF2-40B4-BE49-F238E27FC236}">
+                <a16:creationId xmlns:a16="http://schemas.microsoft.com/office/drawing/2014/main" id="{80A1AC5B-3B7D-4765-83C3-7174DE841DF6}"/>
+              </a:ext>
+            </a:extLst>
+          </p:cNvPr>
+          <p:cNvSpPr/>
+          <p:nvPr/>
+        </p:nvSpPr>
+        <p:spPr>
+          <a:xfrm>
+            <a:off x="222739" y="1424920"/>
+            <a:ext cx="5732584" cy="2677656"/>
+          </a:xfrm>
+          <a:prstGeom prst="rect">
+            <a:avLst/>
+          </a:prstGeom>
+        </p:spPr>
+        <p:txBody>
+          <a:bodyPr wrap="square">
+            <a:spAutoFit/>
+          </a:bodyPr>
+          <a:lstStyle/>
+          <a:p>
+            <a:r>
+              <a:rPr lang="es-US" dirty="0">
+                <a:latin typeface="Times New Roman" panose="02020603050405020304" pitchFamily="18" charset="0"/>
+                <a:cs typeface="Times New Roman" panose="02020603050405020304" pitchFamily="18" charset="0"/>
+              </a:rPr>
+              <a:t>Con el poco conocimiento de las personas que hacen uso de estos tipos de servicios, para que las personas puedan conocer a cerca de lo que se basa la empresa y puedan solicitar uno de los servicios </a:t>
+            </a:r>
+            <a:r>
+              <a:rPr lang="es-US" dirty="0">
+                <a:solidFill>
+                  <a:schemeClr val="tx1"/>
+                </a:solidFill>
+                <a:latin typeface="Times New Roman" panose="02020603050405020304" pitchFamily="18" charset="0"/>
+                <a:cs typeface="Times New Roman" panose="02020603050405020304" pitchFamily="18" charset="0"/>
+              </a:rPr>
+              <a:t>necesarios</a:t>
+            </a:r>
+            <a:r>
+              <a:rPr lang="es-US" dirty="0">
+                <a:latin typeface="Times New Roman" panose="02020603050405020304" pitchFamily="18" charset="0"/>
+                <a:cs typeface="Times New Roman" panose="02020603050405020304" pitchFamily="18" charset="0"/>
+              </a:rPr>
+              <a:t> y ya cuando hayan tomado la decisión los clientes podrán modificar que es lo que desean para su evento, las actividades de apartar las fechas y lo que se va utilizar en un evento y los procesos que allí se realizan, que son escoger la fecha y el tipo de evento y un abono de dinero que se va realizar; el aplicativo colaborara a la empresa en la logística ya que el administrador podrá coordinar desde allí y el administrador delegara los roles que cada persona tiene para que los clientes puedan estar informados del personal y puede tener conocimiento de quienes van a estar en el evento.</a:t>
+            </a:r>
+            <a:br>
+              <a:rPr lang="es-US" dirty="0">
+                <a:latin typeface="Times New Roman" panose="02020603050405020304" pitchFamily="18" charset="0"/>
+                <a:cs typeface="Times New Roman" panose="02020603050405020304" pitchFamily="18" charset="0"/>
+              </a:rPr>
+            </a:br>
+            <a:endParaRPr lang="es-CO" dirty="0">
+              <a:latin typeface="Times New Roman" panose="02020603050405020304" pitchFamily="18" charset="0"/>
+              <a:cs typeface="Times New Roman" panose="02020603050405020304" pitchFamily="18" charset="0"/>
+            </a:endParaRPr>
+          </a:p>
+        </p:txBody>
+      </p:sp>
+    </p:spTree>
+    <p:extLst>
+      <p:ext uri="{BB962C8B-B14F-4D97-AF65-F5344CB8AC3E}">
+        <p14:creationId xmlns:p14="http://schemas.microsoft.com/office/powerpoint/2010/main" val="3191836946"/>
+      </p:ext>
+    </p:extLst>
+  </p:cSld>
+  <p:clrMapOvr>
+    <a:masterClrMapping/>
+  </p:clrMapOvr>
+</p:sld>
+</file>
+
+<file path=ppt/slides/slide6.xml><?xml version="1.0" encoding="utf-8"?>
 <p:sld xmlns:a="http://schemas.openxmlformats.org/drawingml/2006/main" xmlns:r="http://schemas.openxmlformats.org/officeDocument/2006/relationships" xmlns:p="http://schemas.openxmlformats.org/presentationml/2006/main">
   <p:cSld>
     <p:spTree>
@@ -7223,18 +7364,12 @@
           </a:lstStyle>
           <a:p>
             <a:r>
-              <a:rPr lang="es-US" sz="2800" b="1" dirty="0">
+              <a:rPr lang="es-US" sz="3600" b="1" dirty="0">
                 <a:latin typeface="Comic Sans MS" panose="030F0702030302020204" pitchFamily="66" charset="0"/>
               </a:rPr>
-              <a:t>Objetivo</a:t>
+              <a:t>Objetivo General</a:t>
             </a:r>
-            <a:r>
-              <a:rPr lang="es-US" sz="2400" b="1" dirty="0">
-                <a:latin typeface="Comic Sans MS" panose="030F0702030302020204" pitchFamily="66" charset="0"/>
-              </a:rPr>
-              <a:t> general</a:t>
-            </a:r>
-            <a:endParaRPr lang="es-CO" sz="2400" b="1" dirty="0">
+            <a:endParaRPr lang="es-CO" sz="3600" b="1" dirty="0">
               <a:latin typeface="Comic Sans MS" panose="030F0702030302020204" pitchFamily="66" charset="0"/>
             </a:endParaRPr>
           </a:p>
@@ -7256,7 +7391,7 @@
         </p:nvSpPr>
         <p:spPr>
           <a:xfrm>
-            <a:off x="511669" y="1690688"/>
+            <a:off x="266504" y="2309018"/>
             <a:ext cx="6197475" cy="1325563"/>
           </a:xfrm>
           <a:prstGeom prst="rect">
@@ -7543,7 +7678,7 @@
 </p:sld>
 </file>
 
-<file path=ppt/slides/slide6.xml><?xml version="1.0" encoding="utf-8"?>
+<file path=ppt/slides/slide7.xml><?xml version="1.0" encoding="utf-8"?>
 <p:sld xmlns:a="http://schemas.openxmlformats.org/drawingml/2006/main" xmlns:r="http://schemas.openxmlformats.org/officeDocument/2006/relationships" xmlns:p="http://schemas.openxmlformats.org/presentationml/2006/main">
   <p:cSld>
     <p:spTree>
@@ -7576,7 +7711,7 @@
         </p:nvSpPr>
         <p:spPr>
           <a:xfrm>
-            <a:off x="1773866" y="365125"/>
+            <a:off x="1707191" y="365125"/>
             <a:ext cx="6197475" cy="1325563"/>
           </a:xfrm>
           <a:prstGeom prst="rect">
@@ -7816,12 +7951,12 @@
           </a:lstStyle>
           <a:p>
             <a:r>
-              <a:rPr lang="es-US" sz="2400" b="1" dirty="0">
+              <a:rPr lang="es-US" sz="3200" b="1" dirty="0">
                 <a:latin typeface="Comic Sans MS" panose="030F0702030302020204" pitchFamily="66" charset="0"/>
               </a:rPr>
               <a:t>Objetivos Específicos</a:t>
             </a:r>
-            <a:endParaRPr lang="es-CO" sz="2400" b="1" dirty="0">
+            <a:endParaRPr lang="es-CO" sz="3200" b="1" dirty="0">
               <a:latin typeface="Comic Sans MS" panose="030F0702030302020204" pitchFamily="66" charset="0"/>
             </a:endParaRPr>
           </a:p>
@@ -7843,7 +7978,7 @@
         </p:nvSpPr>
         <p:spPr>
           <a:xfrm>
-            <a:off x="295941" y="1489117"/>
+            <a:off x="162591" y="2032042"/>
             <a:ext cx="8401492" cy="1845595"/>
           </a:xfrm>
           <a:prstGeom prst="rect">
@@ -8100,7 +8235,7 @@
             </a:pPr>
             <a:r>
               <a:rPr lang="es-US" sz="1600" dirty="0"/>
-              <a:t>la oportunidad al cliente de personalizar al paquete preestablecido según su gusto</a:t>
+              <a:t>Gestionar la personalización de los  paquetes preestablecido según su gusto</a:t>
             </a:r>
           </a:p>
           <a:p>
@@ -8152,7 +8287,7 @@
 </p:sld>
 </file>
 
-<file path=ppt/slides/slide7.xml><?xml version="1.0" encoding="utf-8"?>
+<file path=ppt/slides/slide8.xml><?xml version="1.0" encoding="utf-8"?>
 <p:sld xmlns:a="http://schemas.openxmlformats.org/drawingml/2006/main" xmlns:r="http://schemas.openxmlformats.org/officeDocument/2006/relationships" xmlns:p="http://schemas.openxmlformats.org/presentationml/2006/main">
   <p:cSld>
     <p:spTree>
@@ -8246,8 +8381,8 @@
         </p:nvSpPr>
         <p:spPr>
           <a:xfrm>
-            <a:off x="1095153" y="1616149"/>
-            <a:ext cx="5178056" cy="2031325"/>
+            <a:off x="114077" y="1530424"/>
+            <a:ext cx="6010497" cy="2308324"/>
           </a:xfrm>
           <a:prstGeom prst="rect">
             <a:avLst/>
@@ -8261,57 +8396,28 @@
           <a:lstStyle/>
           <a:p>
             <a:r>
-              <a:rPr lang="es-US" dirty="0"/>
+              <a:rPr lang="es-US" sz="1200" dirty="0"/>
               <a:t>Se hará un sistema de información para la casa de eventos EURO BODAS, </a:t>
             </a:r>
             <a:r>
-              <a:rPr lang="es-US" dirty="0">
-                <a:solidFill>
-                  <a:srgbClr val="FF0000"/>
+              <a:rPr lang="es-US" sz="1200" dirty="0">
+                <a:solidFill>
+                  <a:schemeClr val="tx1"/>
                 </a:solidFill>
               </a:rPr>
-              <a:t>para suplir las necesidades que este presenta </a:t>
+              <a:t>para colaborar algunas de las falencias que se presenta en la empresa y que apoye a que los clientes queden satisfechos por que pudieron hacer la solicitud de un evento de manera fácil y sencilla </a:t>
             </a:r>
             <a:r>
-              <a:rPr lang="es-US" dirty="0"/>
-              <a:t>y esto se lograra aproximadamente en un tiempo de un año. </a:t>
-            </a:r>
-            <a:r>
-              <a:rPr lang="es-US" dirty="0">
-                <a:solidFill>
-                  <a:srgbClr val="FF0000"/>
-                </a:solidFill>
-              </a:rPr>
-              <a:t>La</a:t>
-            </a:r>
-            <a:r>
-              <a:rPr lang="es-US" dirty="0"/>
-              <a:t> </a:t>
-            </a:r>
-            <a:r>
-              <a:rPr lang="es-US" dirty="0">
-                <a:solidFill>
-                  <a:srgbClr val="FF0000"/>
-                </a:solidFill>
-              </a:rPr>
-              <a:t>área beneficiada seria la operativa</a:t>
-            </a:r>
-          </a:p>
-          <a:p>
-            <a:r>
-              <a:rPr lang="es-US" dirty="0"/>
-              <a:t>El sistema permitirá escoger o personalizar los paquetes para los  eventos, permitir que haya un mejor cronograma  y que permita tener una mejor organización en el evento </a:t>
+              <a:rPr lang="es-US" sz="1200" dirty="0"/>
+              <a:t>y esto se lograra aproximadamente en un tiempo de un año. Las áreas que se verán beneficiadas serán la del coordinador general, dirección que es el área que se encarga en la planificación, comité de apoyo o servicios generales y el comité de administrador El sistema permitirá escoger o personalizar los paquetes para los  eventos, permitir que haya un mejor rendimiento de logista y  permitirá tener una mejor organización en el evento también permita ver el personal de trabajo que esta asociado al evento y también gestionara el cierre exitoso de un contrato. </a:t>
             </a:r>
             <a:br>
-              <a:rPr lang="es-US" dirty="0"/>
+              <a:rPr lang="es-US" sz="1200" dirty="0"/>
             </a:br>
-            <a:r>
-              <a:rPr lang="es-CO" dirty="0"/>
-              <a:t>el área involucrada es la operativa .</a:t>
-            </a:r>
-          </a:p>
-          <a:p>
-            <a:endParaRPr lang="es-CO" dirty="0"/>
+            <a:endParaRPr lang="es-CO" sz="1200" dirty="0"/>
+          </a:p>
+          <a:p>
+            <a:endParaRPr lang="es-CO" sz="1200" dirty="0"/>
           </a:p>
         </p:txBody>
       </p:sp>
@@ -8328,7 +8434,7 @@
 </p:sld>
 </file>
 
-<file path=ppt/slides/slide8.xml><?xml version="1.0" encoding="utf-8"?>
+<file path=ppt/slides/slide9.xml><?xml version="1.0" encoding="utf-8"?>
 <p:sld xmlns:a="http://schemas.openxmlformats.org/drawingml/2006/main" xmlns:r="http://schemas.openxmlformats.org/officeDocument/2006/relationships" xmlns:p="http://schemas.openxmlformats.org/presentationml/2006/main">
   <p:cSld>
     <p:spTree>
@@ -8433,101 +8539,6 @@
     <p:extLst>
       <p:ext uri="{BB962C8B-B14F-4D97-AF65-F5344CB8AC3E}">
         <p14:creationId xmlns:p14="http://schemas.microsoft.com/office/powerpoint/2010/main" val="1665826620"/>
-      </p:ext>
-    </p:extLst>
-  </p:cSld>
-  <p:clrMapOvr>
-    <a:masterClrMapping/>
-  </p:clrMapOvr>
-</p:sld>
-</file>
-
-<file path=ppt/slides/slide9.xml><?xml version="1.0" encoding="utf-8"?>
-<p:sld xmlns:a="http://schemas.openxmlformats.org/drawingml/2006/main" xmlns:r="http://schemas.openxmlformats.org/officeDocument/2006/relationships" xmlns:p="http://schemas.openxmlformats.org/presentationml/2006/main">
-  <p:cSld>
-    <p:spTree>
-      <p:nvGrpSpPr>
-        <p:cNvPr id="1" name=""/>
-        <p:cNvGrpSpPr/>
-        <p:nvPr/>
-      </p:nvGrpSpPr>
-      <p:grpSpPr>
-        <a:xfrm>
-          <a:off x="0" y="0"/>
-          <a:ext cx="0" cy="0"/>
-          <a:chOff x="0" y="0"/>
-          <a:chExt cx="0" cy="0"/>
-        </a:xfrm>
-      </p:grpSpPr>
-      <p:sp>
-        <p:nvSpPr>
-          <p:cNvPr id="2" name="Rectángulo 1">
-            <a:extLst>
-              <a:ext uri="{FF2B5EF4-FFF2-40B4-BE49-F238E27FC236}">
-                <a16:creationId xmlns:a16="http://schemas.microsoft.com/office/drawing/2014/main" id="{6D135110-049A-4F47-B0F0-841457E3DCDA}"/>
-              </a:ext>
-            </a:extLst>
-          </p:cNvPr>
-          <p:cNvSpPr/>
-          <p:nvPr/>
-        </p:nvSpPr>
-        <p:spPr>
-          <a:xfrm>
-            <a:off x="3291828" y="0"/>
-            <a:ext cx="2236510" cy="646331"/>
-          </a:xfrm>
-          <a:prstGeom prst="rect">
-            <a:avLst/>
-          </a:prstGeom>
-        </p:spPr>
-        <p:txBody>
-          <a:bodyPr wrap="none">
-            <a:spAutoFit/>
-          </a:bodyPr>
-          <a:lstStyle/>
-          <a:p>
-            <a:r>
-              <a:rPr lang="es-US" sz="3600" dirty="0"/>
-              <a:t>Entrevista</a:t>
-            </a:r>
-            <a:endParaRPr lang="es-CO" sz="3600" dirty="0"/>
-          </a:p>
-        </p:txBody>
-      </p:sp>
-      <p:pic>
-        <p:nvPicPr>
-          <p:cNvPr id="5" name="Imagen 4">
-            <a:extLst>
-              <a:ext uri="{FF2B5EF4-FFF2-40B4-BE49-F238E27FC236}">
-                <a16:creationId xmlns:a16="http://schemas.microsoft.com/office/drawing/2014/main" id="{40323E40-FD2C-4DD8-8699-FA7C402FA334}"/>
-              </a:ext>
-            </a:extLst>
-          </p:cNvPr>
-          <p:cNvPicPr>
-            <a:picLocks noChangeAspect="1"/>
-          </p:cNvPicPr>
-          <p:nvPr/>
-        </p:nvPicPr>
-        <p:blipFill>
-          <a:blip r:embed="rId2"/>
-          <a:stretch>
-            <a:fillRect/>
-          </a:stretch>
-        </p:blipFill>
-        <p:spPr>
-          <a:xfrm>
-            <a:off x="2083981" y="999859"/>
-            <a:ext cx="4486348" cy="4143641"/>
-          </a:xfrm>
-          <a:prstGeom prst="rect">
-            <a:avLst/>
-          </a:prstGeom>
-        </p:spPr>
-      </p:pic>
-    </p:spTree>
-    <p:extLst>
-      <p:ext uri="{BB962C8B-B14F-4D97-AF65-F5344CB8AC3E}">
-        <p14:creationId xmlns:p14="http://schemas.microsoft.com/office/powerpoint/2010/main" val="4266089175"/>
       </p:ext>
     </p:extLst>
   </p:cSld>
